--- a/FutureDataDriven2023/Thanks images.pptx
+++ b/FutureDataDriven2023/Thanks images.pptx
@@ -5,14 +5,15 @@
     <p:sldMasterId id="2147483686" r:id="rId1"/>
   </p:sldMasterIdLst>
   <p:notesMasterIdLst>
-    <p:notesMasterId r:id="rId7"/>
+    <p:notesMasterId r:id="rId8"/>
   </p:notesMasterIdLst>
   <p:sldIdLst>
     <p:sldId id="257" r:id="rId2"/>
-    <p:sldId id="259" r:id="rId3"/>
-    <p:sldId id="260" r:id="rId4"/>
-    <p:sldId id="256" r:id="rId5"/>
-    <p:sldId id="258" r:id="rId6"/>
+    <p:sldId id="261" r:id="rId3"/>
+    <p:sldId id="259" r:id="rId4"/>
+    <p:sldId id="260" r:id="rId5"/>
+    <p:sldId id="256" r:id="rId6"/>
+    <p:sldId id="258" r:id="rId7"/>
   </p:sldIdLst>
   <p:sldSz cx="12192000" cy="6858000"/>
   <p:notesSz cx="6858000" cy="9144000"/>
@@ -111,6 +112,11 @@
       </a:defRPr>
     </a:lvl9pPr>
   </p:defaultTextStyle>
+  <p:extLst>
+    <p:ext uri="{EFAFB233-063F-42B5-8137-9DF3F51BA10A}">
+      <p15:sldGuideLst xmlns:p15="http://schemas.microsoft.com/office/powerpoint/2012/main"/>
+    </p:ext>
+  </p:extLst>
 </p:presentation>
 </file>
 
@@ -196,7 +202,7 @@
           <a:p>
             <a:fld id="{4C337463-03BB-4A8A-88D5-085F17C0131C}" type="datetimeFigureOut">
               <a:rPr lang="en-IL" smtClean="0"/>
-              <a:t>28/09/2023</a:t>
+              <a:t>13/05/2024</a:t>
             </a:fld>
             <a:endParaRPr lang="en-IL"/>
           </a:p>
@@ -670,7 +676,7 @@
     </p:spTree>
     <p:extLst>
       <p:ext uri="{BB962C8B-B14F-4D97-AF65-F5344CB8AC3E}">
-        <p14:creationId xmlns:p14="http://schemas.microsoft.com/office/powerpoint/2010/main" val="482615639"/>
+        <p14:creationId xmlns:p14="http://schemas.microsoft.com/office/powerpoint/2010/main" val="3990883365"/>
       </p:ext>
     </p:extLst>
   </p:cSld>
@@ -770,6 +776,114 @@
             <a:fld id="{9F0C257F-7D11-435D-9215-F2A287745B8A}" type="slidenum">
               <a:rPr lang="en-IL" smtClean="0"/>
               <a:t>3</a:t>
+            </a:fld>
+            <a:endParaRPr lang="en-IL"/>
+          </a:p>
+        </p:txBody>
+      </p:sp>
+    </p:spTree>
+    <p:extLst>
+      <p:ext uri="{BB962C8B-B14F-4D97-AF65-F5344CB8AC3E}">
+        <p14:creationId xmlns:p14="http://schemas.microsoft.com/office/powerpoint/2010/main" val="482615639"/>
+      </p:ext>
+    </p:extLst>
+  </p:cSld>
+  <p:clrMapOvr>
+    <a:masterClrMapping/>
+  </p:clrMapOvr>
+</p:notes>
+</file>
+
+<file path=ppt/notesSlides/notesSlide4.xml><?xml version="1.0" encoding="utf-8"?>
+<p:notes xmlns:a="http://schemas.openxmlformats.org/drawingml/2006/main" xmlns:r="http://schemas.openxmlformats.org/officeDocument/2006/relationships" xmlns:p="http://schemas.openxmlformats.org/presentationml/2006/main">
+  <p:cSld>
+    <p:spTree>
+      <p:nvGrpSpPr>
+        <p:cNvPr id="1" name=""/>
+        <p:cNvGrpSpPr/>
+        <p:nvPr/>
+      </p:nvGrpSpPr>
+      <p:grpSpPr>
+        <a:xfrm>
+          <a:off x="0" y="0"/>
+          <a:ext cx="0" cy="0"/>
+          <a:chOff x="0" y="0"/>
+          <a:chExt cx="0" cy="0"/>
+        </a:xfrm>
+      </p:grpSpPr>
+      <p:sp>
+        <p:nvSpPr>
+          <p:cNvPr id="2" name="Slide Image Placeholder 1"/>
+          <p:cNvSpPr>
+            <a:spLocks noGrp="1" noRot="1" noChangeAspect="1"/>
+          </p:cNvSpPr>
+          <p:nvPr>
+            <p:ph type="sldImg"/>
+          </p:nvPr>
+        </p:nvSpPr>
+        <p:spPr/>
+      </p:sp>
+      <p:sp>
+        <p:nvSpPr>
+          <p:cNvPr id="3" name="Notes Placeholder 2"/>
+          <p:cNvSpPr>
+            <a:spLocks noGrp="1"/>
+          </p:cNvSpPr>
+          <p:nvPr>
+            <p:ph type="body" idx="1"/>
+          </p:nvPr>
+        </p:nvSpPr>
+        <p:spPr/>
+        <p:txBody>
+          <a:bodyPr/>
+          <a:lstStyle/>
+          <a:p>
+            <a:pPr marL="0" marR="0" lvl="0" indent="0" algn="l" defTabSz="914400" rtl="0" eaLnBrk="1" fontAlgn="auto" latinLnBrk="0" hangingPunct="1">
+              <a:lnSpc>
+                <a:spcPct val="100000"/>
+              </a:lnSpc>
+              <a:spcBef>
+                <a:spcPts val="0"/>
+              </a:spcBef>
+              <a:spcAft>
+                <a:spcPts val="0"/>
+              </a:spcAft>
+              <a:buClrTx/>
+              <a:buSzTx/>
+              <a:buFontTx/>
+              <a:buNone/>
+              <a:tabLst/>
+              <a:defRPr/>
+            </a:pPr>
+            <a:r>
+              <a:rPr lang="en-US" dirty="0"/>
+              <a:t> Content: We would like to express our deepest gratitude to all the speakers who shared their valuable insights and experiences at the Future Data Driven Summit.</a:t>
+            </a:r>
+            <a:endParaRPr lang="en-IL" dirty="0"/>
+          </a:p>
+          <a:p>
+            <a:endParaRPr lang="en-IL" dirty="0"/>
+          </a:p>
+        </p:txBody>
+      </p:sp>
+      <p:sp>
+        <p:nvSpPr>
+          <p:cNvPr id="4" name="Slide Number Placeholder 3"/>
+          <p:cNvSpPr>
+            <a:spLocks noGrp="1"/>
+          </p:cNvSpPr>
+          <p:nvPr>
+            <p:ph type="sldNum" sz="quarter" idx="5"/>
+          </p:nvPr>
+        </p:nvSpPr>
+        <p:spPr/>
+        <p:txBody>
+          <a:bodyPr/>
+          <a:lstStyle/>
+          <a:p>
+            <a:fld id="{9F0C257F-7D11-435D-9215-F2A287745B8A}" type="slidenum">
+              <a:rPr lang="en-IL" smtClean="0"/>
+              <a:t>4</a:t>
             </a:fld>
             <a:endParaRPr lang="en-IL"/>
           </a:p>
@@ -944,7 +1058,7 @@
           <a:p>
             <a:fld id="{02AC24A9-CCB6-4F8D-B8DB-C2F3692CFA5A}" type="datetimeFigureOut">
               <a:rPr lang="en-US" smtClean="0"/>
-              <a:t>2023-09-28</a:t>
+              <a:t>2024-05-13</a:t>
             </a:fld>
             <a:endParaRPr lang="en-US" dirty="0"/>
           </a:p>
@@ -1314,7 +1428,7 @@
           <a:p>
             <a:fld id="{02AC24A9-CCB6-4F8D-B8DB-C2F3692CFA5A}" type="datetimeFigureOut">
               <a:rPr lang="en-US" smtClean="0"/>
-              <a:t>2023-09-28</a:t>
+              <a:t>2024-05-13</a:t>
             </a:fld>
             <a:endParaRPr lang="en-US"/>
           </a:p>
@@ -1523,7 +1637,7 @@
           <a:p>
             <a:fld id="{02AC24A9-CCB6-4F8D-B8DB-C2F3692CFA5A}" type="datetimeFigureOut">
               <a:rPr lang="en-US" smtClean="0"/>
-              <a:t>2023-09-28</a:t>
+              <a:t>2024-05-13</a:t>
             </a:fld>
             <a:endParaRPr lang="en-US"/>
           </a:p>
@@ -1993,7 +2107,7 @@
           <a:p>
             <a:fld id="{02AC24A9-CCB6-4F8D-B8DB-C2F3692CFA5A}" type="datetimeFigureOut">
               <a:rPr lang="en-US" smtClean="0"/>
-              <a:t>2023-09-28</a:t>
+              <a:t>2024-05-13</a:t>
             </a:fld>
             <a:endParaRPr lang="en-US"/>
           </a:p>
@@ -2447,7 +2561,7 @@
           <a:p>
             <a:fld id="{02AC24A9-CCB6-4F8D-B8DB-C2F3692CFA5A}" type="datetimeFigureOut">
               <a:rPr lang="en-US" smtClean="0"/>
-              <a:t>2023-09-28</a:t>
+              <a:t>2024-05-13</a:t>
             </a:fld>
             <a:endParaRPr lang="en-US"/>
           </a:p>
@@ -2979,7 +3093,7 @@
           <a:p>
             <a:fld id="{02AC24A9-CCB6-4F8D-B8DB-C2F3692CFA5A}" type="datetimeFigureOut">
               <a:rPr lang="en-US" smtClean="0"/>
-              <a:t>2023-09-28</a:t>
+              <a:t>2024-05-13</a:t>
             </a:fld>
             <a:endParaRPr lang="en-US"/>
           </a:p>
@@ -3678,7 +3792,7 @@
           <a:p>
             <a:fld id="{02AC24A9-CCB6-4F8D-B8DB-C2F3692CFA5A}" type="datetimeFigureOut">
               <a:rPr lang="en-US" smtClean="0"/>
-              <a:t>2023-09-28</a:t>
+              <a:t>2024-05-13</a:t>
             </a:fld>
             <a:endParaRPr lang="en-US"/>
           </a:p>
@@ -4007,7 +4121,7 @@
           <a:p>
             <a:fld id="{02AC24A9-CCB6-4F8D-B8DB-C2F3692CFA5A}" type="datetimeFigureOut">
               <a:rPr lang="en-US" smtClean="0"/>
-              <a:t>2023-09-28</a:t>
+              <a:t>2024-05-13</a:t>
             </a:fld>
             <a:endParaRPr lang="en-US"/>
           </a:p>
@@ -4120,7 +4234,7 @@
           <a:p>
             <a:fld id="{02AC24A9-CCB6-4F8D-B8DB-C2F3692CFA5A}" type="datetimeFigureOut">
               <a:rPr lang="en-US" smtClean="0"/>
-              <a:t>2023-09-28</a:t>
+              <a:t>2024-05-13</a:t>
             </a:fld>
             <a:endParaRPr lang="en-US"/>
           </a:p>
@@ -4615,7 +4729,7 @@
           <a:p>
             <a:fld id="{02AC24A9-CCB6-4F8D-B8DB-C2F3692CFA5A}" type="datetimeFigureOut">
               <a:rPr lang="en-US" smtClean="0"/>
-              <a:t>2023-09-28</a:t>
+              <a:t>2024-05-13</a:t>
             </a:fld>
             <a:endParaRPr lang="en-US" dirty="0"/>
           </a:p>
@@ -5092,7 +5206,7 @@
           <a:p>
             <a:fld id="{02AC24A9-CCB6-4F8D-B8DB-C2F3692CFA5A}" type="datetimeFigureOut">
               <a:rPr lang="en-US" smtClean="0"/>
-              <a:t>2023-09-28</a:t>
+              <a:t>2024-05-13</a:t>
             </a:fld>
             <a:endParaRPr lang="en-US"/>
           </a:p>
@@ -5335,7 +5449,7 @@
           <a:p>
             <a:fld id="{02AC24A9-CCB6-4F8D-B8DB-C2F3692CFA5A}" type="datetimeFigureOut">
               <a:rPr lang="en-US" smtClean="0"/>
-              <a:t>2023-09-28</a:t>
+              <a:t>2024-05-13</a:t>
             </a:fld>
             <a:endParaRPr lang="en-US"/>
           </a:p>
@@ -6112,54 +6226,6 @@
       </p:sp>
       <p:sp>
         <p:nvSpPr>
-          <p:cNvPr id="2" name="Title 1">
-            <a:extLst>
-              <a:ext uri="{FF2B5EF4-FFF2-40B4-BE49-F238E27FC236}">
-                <a16:creationId xmlns:a16="http://schemas.microsoft.com/office/drawing/2014/main" id="{89DE16DA-FC08-E480-8C2F-D5CE779298C5}"/>
-              </a:ext>
-            </a:extLst>
-          </p:cNvPr>
-          <p:cNvSpPr>
-            <a:spLocks noGrp="1"/>
-          </p:cNvSpPr>
-          <p:nvPr>
-            <p:ph type="title"/>
-          </p:nvPr>
-        </p:nvSpPr>
-        <p:spPr>
-          <a:xfrm>
-            <a:off x="2103121" y="310343"/>
-            <a:ext cx="7985759" cy="868823"/>
-          </a:xfrm>
-        </p:spPr>
-        <p:txBody>
-          <a:bodyPr vert="horz" lIns="91440" tIns="45720" rIns="91440" bIns="45720" rtlCol="0" anchor="ctr">
-            <a:normAutofit/>
-          </a:bodyPr>
-          <a:lstStyle/>
-          <a:p>
-            <a:pPr algn="ctr"/>
-            <a:r>
-              <a:rPr lang="en-US" b="1" dirty="0">
-                <a:ln w="0"/>
-                <a:solidFill>
-                  <a:schemeClr val="accent1"/>
-                </a:solidFill>
-                <a:effectLst>
-                  <a:outerShdw blurRad="38100" dist="25400" dir="5400000" algn="ctr" rotWithShape="0">
-                    <a:srgbClr val="6E747A">
-                      <a:alpha val="43000"/>
-                    </a:srgbClr>
-                  </a:outerShdw>
-                </a:effectLst>
-              </a:rPr>
-              <a:t>A Big Thank You!</a:t>
-            </a:r>
-          </a:p>
-        </p:txBody>
-      </p:sp>
-      <p:sp>
-        <p:nvSpPr>
           <p:cNvPr id="18" name="Rectangle: Rounded Corners 17">
             <a:extLst>
               <a:ext uri="{FF2B5EF4-FFF2-40B4-BE49-F238E27FC236}">
@@ -6306,7 +6372,7 @@
         <p:spPr>
           <a:xfrm>
             <a:off x="1102936" y="4812289"/>
-            <a:ext cx="9832157" cy="1569660"/>
+            <a:ext cx="9832157" cy="1077218"/>
           </a:xfrm>
           <a:prstGeom prst="rect">
             <a:avLst/>
@@ -6321,18 +6387,150 @@
           <a:p>
             <a:pPr algn="ctr"/>
             <a:r>
-              <a:rPr lang="en-US" sz="3200" dirty="0"/>
-              <a:t>We would like to express our deepest gratitude to you as a </a:t>
-            </a:r>
-            <a:r>
-              <a:rPr lang="en-US" sz="3200" b="1" dirty="0"/>
-              <a:t>speaker</a:t>
-            </a:r>
-            <a:r>
-              <a:rPr lang="en-US" sz="3200" dirty="0"/>
-              <a:t> who shared their valuable insights and experiences at the Future Data Driven Summit.</a:t>
+              <a:rPr lang="en-US" sz="3200" b="0" i="0" dirty="0">
+                <a:solidFill>
+                  <a:srgbClr val="111111"/>
+                </a:solidFill>
+                <a:effectLst/>
+                <a:highlight>
+                  <a:srgbClr val="FFFFFF"/>
+                </a:highlight>
+                <a:latin typeface="-apple-system"/>
+              </a:rPr>
+              <a:t>We would like to express our deepest gratitude for submitting your session proposal.</a:t>
             </a:r>
             <a:endParaRPr lang="en-IL" sz="3200" dirty="0"/>
+          </a:p>
+        </p:txBody>
+      </p:sp>
+      <p:sp>
+        <p:nvSpPr>
+          <p:cNvPr id="31" name="Rectangle: Rounded Corners 30">
+            <a:extLst>
+              <a:ext uri="{FF2B5EF4-FFF2-40B4-BE49-F238E27FC236}">
+                <a16:creationId xmlns:a16="http://schemas.microsoft.com/office/drawing/2014/main" id="{FAEE65B6-95ED-A43E-0A5A-06179BF0F1C1}"/>
+              </a:ext>
+            </a:extLst>
+          </p:cNvPr>
+          <p:cNvSpPr/>
+          <p:nvPr/>
+        </p:nvSpPr>
+        <p:spPr>
+          <a:xfrm>
+            <a:off x="851647" y="216821"/>
+            <a:ext cx="9897035" cy="5842963"/>
+          </a:xfrm>
+          <a:prstGeom prst="roundRect">
+            <a:avLst>
+              <a:gd name="adj" fmla="val 10837"/>
+            </a:avLst>
+          </a:prstGeom>
+          <a:noFill/>
+          <a:ln w="57150">
+            <a:solidFill>
+              <a:schemeClr val="accent1"/>
+            </a:solidFill>
+          </a:ln>
+        </p:spPr>
+        <p:style>
+          <a:lnRef idx="2">
+            <a:schemeClr val="accent1">
+              <a:shade val="15000"/>
+            </a:schemeClr>
+          </a:lnRef>
+          <a:fillRef idx="1">
+            <a:schemeClr val="accent1"/>
+          </a:fillRef>
+          <a:effectRef idx="0">
+            <a:schemeClr val="accent1"/>
+          </a:effectRef>
+          <a:fontRef idx="minor">
+            <a:schemeClr val="lt1"/>
+          </a:fontRef>
+        </p:style>
+        <p:txBody>
+          <a:bodyPr rtlCol="0" anchor="ctr"/>
+          <a:lstStyle/>
+          <a:p>
+            <a:pPr algn="ctr"/>
+            <a:endParaRPr lang="en-IL"/>
+          </a:p>
+        </p:txBody>
+      </p:sp>
+      <p:pic>
+        <p:nvPicPr>
+          <p:cNvPr id="11" name="Picture 10">
+            <a:extLst>
+              <a:ext uri="{FF2B5EF4-FFF2-40B4-BE49-F238E27FC236}">
+                <a16:creationId xmlns:a16="http://schemas.microsoft.com/office/drawing/2014/main" id="{CBEAF9AC-A98D-EA71-33DA-8E6CE128988A}"/>
+              </a:ext>
+            </a:extLst>
+          </p:cNvPr>
+          <p:cNvPicPr>
+            <a:picLocks noChangeAspect="1"/>
+          </p:cNvPicPr>
+          <p:nvPr/>
+        </p:nvPicPr>
+        <p:blipFill rotWithShape="1">
+          <a:blip r:embed="rId5"/>
+          <a:srcRect l="94286" b="90009"/>
+          <a:stretch/>
+        </p:blipFill>
+        <p:spPr>
+          <a:xfrm>
+            <a:off x="10206361" y="193417"/>
+            <a:ext cx="568873" cy="588924"/>
+          </a:xfrm>
+          <a:prstGeom prst="rect">
+            <a:avLst/>
+          </a:prstGeom>
+        </p:spPr>
+      </p:pic>
+      <p:sp>
+        <p:nvSpPr>
+          <p:cNvPr id="2" name="Title 1">
+            <a:extLst>
+              <a:ext uri="{FF2B5EF4-FFF2-40B4-BE49-F238E27FC236}">
+                <a16:creationId xmlns:a16="http://schemas.microsoft.com/office/drawing/2014/main" id="{89DE16DA-FC08-E480-8C2F-D5CE779298C5}"/>
+              </a:ext>
+            </a:extLst>
+          </p:cNvPr>
+          <p:cNvSpPr>
+            <a:spLocks noGrp="1"/>
+          </p:cNvSpPr>
+          <p:nvPr>
+            <p:ph type="title"/>
+          </p:nvPr>
+        </p:nvSpPr>
+        <p:spPr>
+          <a:xfrm>
+            <a:off x="2103121" y="310343"/>
+            <a:ext cx="7985759" cy="868823"/>
+          </a:xfrm>
+        </p:spPr>
+        <p:txBody>
+          <a:bodyPr vert="horz" lIns="91440" tIns="45720" rIns="91440" bIns="45720" rtlCol="0" anchor="ctr">
+            <a:normAutofit/>
+          </a:bodyPr>
+          <a:lstStyle/>
+          <a:p>
+            <a:pPr algn="ctr"/>
+            <a:r>
+              <a:rPr lang="en-US" b="1" dirty="0">
+                <a:ln w="0"/>
+                <a:solidFill>
+                  <a:schemeClr val="accent1"/>
+                </a:solidFill>
+                <a:effectLst>
+                  <a:outerShdw blurRad="38100" dist="25400" dir="5400000" algn="ctr" rotWithShape="0">
+                    <a:srgbClr val="6E747A">
+                      <a:alpha val="43000"/>
+                    </a:srgbClr>
+                  </a:outerShdw>
+                </a:effectLst>
+              </a:rPr>
+              <a:t>A Big Thank You!</a:t>
+            </a:r>
           </a:p>
         </p:txBody>
       </p:sp>
@@ -6403,7 +6601,7 @@
           <p:nvPr/>
         </p:nvPicPr>
         <p:blipFill>
-          <a:blip r:embed="rId5">
+          <a:blip r:embed="rId6">
             <a:clrChange>
               <a:clrFrom>
                 <a:srgbClr val="FFFFFF"/>
@@ -6419,7 +6617,7 @@
                 <a14:useLocalDpi xmlns:a14="http://schemas.microsoft.com/office/drawing/2010/main" val="0"/>
               </a:ext>
               <a:ext uri="{837473B0-CC2E-450A-ABE3-18F120FF3D39}">
-                <a1611:picAttrSrcUrl xmlns:a1611="http://schemas.microsoft.com/office/drawing/2016/11/main" r:id="rId6"/>
+                <a1611:picAttrSrcUrl xmlns:a1611="http://schemas.microsoft.com/office/drawing/2016/11/main" r:id="rId7"/>
               </a:ext>
             </a:extLst>
           </a:blip>
@@ -6504,7 +6702,7 @@
           <p:nvPr/>
         </p:nvPicPr>
         <p:blipFill>
-          <a:blip r:embed="rId7">
+          <a:blip r:embed="rId8">
             <a:extLst>
               <a:ext uri="{28A0092B-C50C-407E-A947-70E740481C1C}">
                 <a14:useLocalDpi xmlns:a14="http://schemas.microsoft.com/office/drawing/2010/main" val="0"/>
@@ -6525,58 +6723,6 @@
           </a:prstGeom>
         </p:spPr>
       </p:pic>
-      <p:sp>
-        <p:nvSpPr>
-          <p:cNvPr id="31" name="Rectangle: Rounded Corners 30">
-            <a:extLst>
-              <a:ext uri="{FF2B5EF4-FFF2-40B4-BE49-F238E27FC236}">
-                <a16:creationId xmlns:a16="http://schemas.microsoft.com/office/drawing/2014/main" id="{FAEE65B6-95ED-A43E-0A5A-06179BF0F1C1}"/>
-              </a:ext>
-            </a:extLst>
-          </p:cNvPr>
-          <p:cNvSpPr/>
-          <p:nvPr/>
-        </p:nvSpPr>
-        <p:spPr>
-          <a:xfrm>
-            <a:off x="471488" y="216821"/>
-            <a:ext cx="11034696" cy="6366217"/>
-          </a:xfrm>
-          <a:prstGeom prst="roundRect">
-            <a:avLst/>
-          </a:prstGeom>
-          <a:noFill/>
-          <a:ln w="57150">
-            <a:solidFill>
-              <a:schemeClr val="accent1"/>
-            </a:solidFill>
-          </a:ln>
-        </p:spPr>
-        <p:style>
-          <a:lnRef idx="2">
-            <a:schemeClr val="accent1">
-              <a:shade val="15000"/>
-            </a:schemeClr>
-          </a:lnRef>
-          <a:fillRef idx="1">
-            <a:schemeClr val="accent1"/>
-          </a:fillRef>
-          <a:effectRef idx="0">
-            <a:schemeClr val="accent1"/>
-          </a:effectRef>
-          <a:fontRef idx="minor">
-            <a:schemeClr val="lt1"/>
-          </a:fontRef>
-        </p:style>
-        <p:txBody>
-          <a:bodyPr rtlCol="0" anchor="ctr"/>
-          <a:lstStyle/>
-          <a:p>
-            <a:pPr algn="ctr"/>
-            <a:endParaRPr lang="en-IL"/>
-          </a:p>
-        </p:txBody>
-      </p:sp>
     </p:spTree>
     <p:extLst>
       <p:ext uri="{BB962C8B-B14F-4D97-AF65-F5344CB8AC3E}">
@@ -7160,8 +7306,8 @@
         </p:nvSpPr>
         <p:spPr>
           <a:xfrm>
-            <a:off x="1175555" y="4828748"/>
-            <a:ext cx="9840889" cy="1569660"/>
+            <a:off x="1102936" y="4812289"/>
+            <a:ext cx="9832157" cy="1569660"/>
           </a:xfrm>
           <a:prstGeom prst="rect">
             <a:avLst/>
@@ -7177,15 +7323,15 @@
             <a:pPr algn="ctr"/>
             <a:r>
               <a:rPr lang="en-US" sz="3200" dirty="0"/>
-              <a:t>You did a fantastic job as a </a:t>
+              <a:t>We would like to express our deepest gratitude to you as a </a:t>
             </a:r>
             <a:r>
               <a:rPr lang="en-US" sz="3200" b="1" dirty="0"/>
-              <a:t>volunteer</a:t>
+              <a:t>speaker</a:t>
             </a:r>
             <a:r>
               <a:rPr lang="en-US" sz="3200" dirty="0"/>
-              <a:t> and made this event possible. You were brilliant and we appreciate your service and support immensely.</a:t>
+              <a:t> who shared their valuable insights and experiences at the Future Data Driven Summit.</a:t>
             </a:r>
             <a:endParaRPr lang="en-IL" sz="3200" dirty="0"/>
           </a:p>
@@ -7243,64 +7389,12 @@
           </a:p>
         </p:txBody>
       </p:sp>
-      <p:sp>
-        <p:nvSpPr>
-          <p:cNvPr id="31" name="Rectangle: Rounded Corners 30">
-            <a:extLst>
-              <a:ext uri="{FF2B5EF4-FFF2-40B4-BE49-F238E27FC236}">
-                <a16:creationId xmlns:a16="http://schemas.microsoft.com/office/drawing/2014/main" id="{FAEE65B6-95ED-A43E-0A5A-06179BF0F1C1}"/>
-              </a:ext>
-            </a:extLst>
-          </p:cNvPr>
-          <p:cNvSpPr/>
-          <p:nvPr/>
-        </p:nvSpPr>
-        <p:spPr>
-          <a:xfrm>
-            <a:off x="471488" y="216821"/>
-            <a:ext cx="11034696" cy="6366217"/>
-          </a:xfrm>
-          <a:prstGeom prst="roundRect">
-            <a:avLst/>
-          </a:prstGeom>
-          <a:noFill/>
-          <a:ln w="57150">
-            <a:solidFill>
-              <a:schemeClr val="accent1"/>
-            </a:solidFill>
-          </a:ln>
-        </p:spPr>
-        <p:style>
-          <a:lnRef idx="2">
-            <a:schemeClr val="accent1">
-              <a:shade val="15000"/>
-            </a:schemeClr>
-          </a:lnRef>
-          <a:fillRef idx="1">
-            <a:schemeClr val="accent1"/>
-          </a:fillRef>
-          <a:effectRef idx="0">
-            <a:schemeClr val="accent1"/>
-          </a:effectRef>
-          <a:fontRef idx="minor">
-            <a:schemeClr val="lt1"/>
-          </a:fontRef>
-        </p:style>
-        <p:txBody>
-          <a:bodyPr rtlCol="0" anchor="ctr"/>
-          <a:lstStyle/>
-          <a:p>
-            <a:pPr algn="ctr"/>
-            <a:endParaRPr lang="en-IL"/>
-          </a:p>
-        </p:txBody>
-      </p:sp>
       <p:pic>
         <p:nvPicPr>
-          <p:cNvPr id="6" name="Picture 5" descr="A cartoon character holding a white sign&#10;&#10;Description automatically generated">
-            <a:extLst>
-              <a:ext uri="{FF2B5EF4-FFF2-40B4-BE49-F238E27FC236}">
-                <a16:creationId xmlns:a16="http://schemas.microsoft.com/office/drawing/2014/main" id="{5868145A-0F37-9B8C-2A8A-DEBC1A831291}"/>
+          <p:cNvPr id="28" name="Picture 27" descr="A cartoon turtle standing at a podium&#10;&#10;Description automatically generated">
+            <a:extLst>
+              <a:ext uri="{FF2B5EF4-FFF2-40B4-BE49-F238E27FC236}">
+                <a16:creationId xmlns:a16="http://schemas.microsoft.com/office/drawing/2014/main" id="{F732C6FC-6252-1D55-2269-DF21EC9C9355}"/>
               </a:ext>
             </a:extLst>
           </p:cNvPr>
@@ -7335,9 +7429,9 @@
           </a:stretch>
         </p:blipFill>
         <p:spPr>
-          <a:xfrm>
-            <a:off x="646104" y="569258"/>
-            <a:ext cx="1894147" cy="1894147"/>
+          <a:xfrm flipH="1">
+            <a:off x="1010366" y="466451"/>
+            <a:ext cx="1564635" cy="1696239"/>
           </a:xfrm>
           <a:prstGeom prst="rect">
             <a:avLst/>
@@ -7346,10 +7440,10 @@
       </p:pic>
       <p:sp>
         <p:nvSpPr>
-          <p:cNvPr id="11" name="Rectangle: Rounded Corners 10">
-            <a:extLst>
-              <a:ext uri="{FF2B5EF4-FFF2-40B4-BE49-F238E27FC236}">
-                <a16:creationId xmlns:a16="http://schemas.microsoft.com/office/drawing/2014/main" id="{65EC1D5D-C84B-3D02-1A8F-1E2D912848EC}"/>
+          <p:cNvPr id="30" name="Rectangle: Rounded Corners 29">
+            <a:extLst>
+              <a:ext uri="{FF2B5EF4-FFF2-40B4-BE49-F238E27FC236}">
+                <a16:creationId xmlns:a16="http://schemas.microsoft.com/office/drawing/2014/main" id="{A938299B-F0DF-C908-F48A-FB98C5842D5F}"/>
               </a:ext>
             </a:extLst>
           </p:cNvPr>
@@ -7398,10 +7492,10 @@
       </p:sp>
       <p:pic>
         <p:nvPicPr>
-          <p:cNvPr id="13" name="Picture 12" descr="A logo with a cloud in the center&#10;&#10;Description automatically generated">
-            <a:extLst>
-              <a:ext uri="{FF2B5EF4-FFF2-40B4-BE49-F238E27FC236}">
-                <a16:creationId xmlns:a16="http://schemas.microsoft.com/office/drawing/2014/main" id="{0D16B8D2-6F1F-6681-5FE4-B7B41D7F24B6}"/>
+          <p:cNvPr id="19" name="Picture 18" descr="A logo with a cloud in the center&#10;&#10;Description automatically generated">
+            <a:extLst>
+              <a:ext uri="{FF2B5EF4-FFF2-40B4-BE49-F238E27FC236}">
+                <a16:creationId xmlns:a16="http://schemas.microsoft.com/office/drawing/2014/main" id="{1CF577DC-4A8A-3AAD-66F3-0A19E5E33D34}"/>
               </a:ext>
             </a:extLst>
           </p:cNvPr>
@@ -7434,53 +7528,60 @@
       </p:pic>
       <p:sp>
         <p:nvSpPr>
-          <p:cNvPr id="17" name="TextBox 16">
-            <a:extLst>
-              <a:ext uri="{FF2B5EF4-FFF2-40B4-BE49-F238E27FC236}">
-                <a16:creationId xmlns:a16="http://schemas.microsoft.com/office/drawing/2014/main" id="{1AC5702D-B3AF-05C1-52E6-291A885C37DF}"/>
-              </a:ext>
-            </a:extLst>
-          </p:cNvPr>
-          <p:cNvSpPr txBox="1"/>
+          <p:cNvPr id="31" name="Rectangle: Rounded Corners 30">
+            <a:extLst>
+              <a:ext uri="{FF2B5EF4-FFF2-40B4-BE49-F238E27FC236}">
+                <a16:creationId xmlns:a16="http://schemas.microsoft.com/office/drawing/2014/main" id="{FAEE65B6-95ED-A43E-0A5A-06179BF0F1C1}"/>
+              </a:ext>
+            </a:extLst>
+          </p:cNvPr>
+          <p:cNvSpPr/>
           <p:nvPr/>
         </p:nvSpPr>
         <p:spPr>
           <a:xfrm>
-            <a:off x="1140284" y="1359608"/>
-            <a:ext cx="1248556" cy="338554"/>
-          </a:xfrm>
-          <a:prstGeom prst="rect">
+            <a:off x="471488" y="216821"/>
+            <a:ext cx="11034696" cy="6366217"/>
+          </a:xfrm>
+          <a:prstGeom prst="roundRect">
             <a:avLst/>
           </a:prstGeom>
           <a:noFill/>
-        </p:spPr>
-        <p:txBody>
-          <a:bodyPr wrap="square" rtlCol="0">
-            <a:spAutoFit/>
-          </a:bodyPr>
+          <a:ln w="57150">
+            <a:solidFill>
+              <a:schemeClr val="accent1"/>
+            </a:solidFill>
+          </a:ln>
+        </p:spPr>
+        <p:style>
+          <a:lnRef idx="2">
+            <a:schemeClr val="accent1">
+              <a:shade val="15000"/>
+            </a:schemeClr>
+          </a:lnRef>
+          <a:fillRef idx="1">
+            <a:schemeClr val="accent1"/>
+          </a:fillRef>
+          <a:effectRef idx="0">
+            <a:schemeClr val="accent1"/>
+          </a:effectRef>
+          <a:fontRef idx="minor">
+            <a:schemeClr val="lt1"/>
+          </a:fontRef>
+        </p:style>
+        <p:txBody>
+          <a:bodyPr rtlCol="0" anchor="ctr"/>
           <a:lstStyle/>
           <a:p>
             <a:pPr algn="ctr"/>
-            <a:r>
-              <a:rPr lang="en-US" sz="1600" b="1" dirty="0">
-                <a:solidFill>
-                  <a:srgbClr val="22ADE4"/>
-                </a:solidFill>
-              </a:rPr>
-              <a:t>Volunteers</a:t>
-            </a:r>
-            <a:endParaRPr lang="en-IL" sz="1600" b="1" dirty="0">
-              <a:solidFill>
-                <a:srgbClr val="22ADE4"/>
-              </a:solidFill>
-            </a:endParaRPr>
+            <a:endParaRPr lang="en-IL"/>
           </a:p>
         </p:txBody>
       </p:sp>
     </p:spTree>
     <p:extLst>
       <p:ext uri="{BB962C8B-B14F-4D97-AF65-F5344CB8AC3E}">
-        <p14:creationId xmlns:p14="http://schemas.microsoft.com/office/powerpoint/2010/main" val="1930548761"/>
+        <p14:creationId xmlns:p14="http://schemas.microsoft.com/office/powerpoint/2010/main" val="2931165030"/>
       </p:ext>
     </p:extLst>
   </p:cSld>
@@ -8061,7 +8162,7 @@
         <p:spPr>
           <a:xfrm>
             <a:off x="1175555" y="4828748"/>
-            <a:ext cx="9840889" cy="1077218"/>
+            <a:ext cx="9840889" cy="1569660"/>
           </a:xfrm>
           <a:prstGeom prst="rect">
             <a:avLst/>
@@ -8077,15 +8178,15 @@
             <a:pPr algn="ctr"/>
             <a:r>
               <a:rPr lang="en-US" sz="3200" dirty="0"/>
-              <a:t>You have done a marvelous job as </a:t>
+              <a:t>You did a fantastic job as a </a:t>
             </a:r>
             <a:r>
               <a:rPr lang="en-US" sz="3200" b="1" dirty="0"/>
-              <a:t>event organizer</a:t>
+              <a:t>volunteer</a:t>
             </a:r>
             <a:r>
               <a:rPr lang="en-US" sz="3200" dirty="0"/>
-              <a:t>. We appreciate your dedication and skill.</a:t>
+              <a:t> and made this event possible. You were brilliant and we appreciate your service and support immensely.</a:t>
             </a:r>
             <a:endParaRPr lang="en-IL" sz="3200" dirty="0"/>
           </a:p>
@@ -8195,6 +8296,55 @@
           </a:p>
         </p:txBody>
       </p:sp>
+      <p:pic>
+        <p:nvPicPr>
+          <p:cNvPr id="6" name="Picture 5" descr="A cartoon character holding a white sign&#10;&#10;Description automatically generated">
+            <a:extLst>
+              <a:ext uri="{FF2B5EF4-FFF2-40B4-BE49-F238E27FC236}">
+                <a16:creationId xmlns:a16="http://schemas.microsoft.com/office/drawing/2014/main" id="{5868145A-0F37-9B8C-2A8A-DEBC1A831291}"/>
+              </a:ext>
+            </a:extLst>
+          </p:cNvPr>
+          <p:cNvPicPr>
+            <a:picLocks noChangeAspect="1"/>
+          </p:cNvPicPr>
+          <p:nvPr/>
+        </p:nvPicPr>
+        <p:blipFill>
+          <a:blip r:embed="rId5">
+            <a:clrChange>
+              <a:clrFrom>
+                <a:srgbClr val="FFFFFF"/>
+              </a:clrFrom>
+              <a:clrTo>
+                <a:srgbClr val="FFFFFF">
+                  <a:alpha val="0"/>
+                </a:srgbClr>
+              </a:clrTo>
+            </a:clrChange>
+            <a:extLst>
+              <a:ext uri="{28A0092B-C50C-407E-A947-70E740481C1C}">
+                <a14:useLocalDpi xmlns:a14="http://schemas.microsoft.com/office/drawing/2010/main" val="0"/>
+              </a:ext>
+              <a:ext uri="{837473B0-CC2E-450A-ABE3-18F120FF3D39}">
+                <a1611:picAttrSrcUrl xmlns:a1611="http://schemas.microsoft.com/office/drawing/2016/11/main" r:id="rId6"/>
+              </a:ext>
+            </a:extLst>
+          </a:blip>
+          <a:stretch>
+            <a:fillRect/>
+          </a:stretch>
+        </p:blipFill>
+        <p:spPr>
+          <a:xfrm>
+            <a:off x="646104" y="569258"/>
+            <a:ext cx="1894147" cy="1894147"/>
+          </a:xfrm>
+          <a:prstGeom prst="rect">
+            <a:avLst/>
+          </a:prstGeom>
+        </p:spPr>
+      </p:pic>
       <p:sp>
         <p:nvSpPr>
           <p:cNvPr id="11" name="Rectangle: Rounded Corners 10">
@@ -8262,7 +8412,7 @@
           <p:nvPr/>
         </p:nvPicPr>
         <p:blipFill>
-          <a:blip r:embed="rId5">
+          <a:blip r:embed="rId7">
             <a:extLst>
               <a:ext uri="{28A0092B-C50C-407E-A947-70E740481C1C}">
                 <a14:useLocalDpi xmlns:a14="http://schemas.microsoft.com/office/drawing/2010/main" val="0"/>
@@ -8283,67 +8433,55 @@
           </a:prstGeom>
         </p:spPr>
       </p:pic>
-      <p:pic>
-        <p:nvPicPr>
-          <p:cNvPr id="1026" name="Picture 2" descr="calender, icon, pictogram, web, black, number, holiday, year, template, set, message, symbol, business, paper, schedule, agenda, binder, note, sign, office, appointment, date, calendar, design, day, event, reminder, plan, time, organizer, flat, month, page, smartphone, android, technology, display, device, wireless, mobile phone, phone, man, standing, dark background, formal, modern, internet, contact, portable computers, communication, large, screen, copyspace, idea, cartoon character, product, display advertising, presentation, multimedia, gadget, online advertising, communication device, collaboration, organization, job, brand, display device, electronic device, telephony, conversation, advertising">
-            <a:extLst>
-              <a:ext uri="{FF2B5EF4-FFF2-40B4-BE49-F238E27FC236}">
-                <a16:creationId xmlns:a16="http://schemas.microsoft.com/office/drawing/2014/main" id="{39BF80F1-7ED6-BBBB-73E7-27EB04D43758}"/>
-              </a:ext>
-            </a:extLst>
-          </p:cNvPr>
-          <p:cNvPicPr>
-            <a:picLocks noChangeAspect="1" noChangeArrowheads="1"/>
-          </p:cNvPicPr>
+      <p:sp>
+        <p:nvSpPr>
+          <p:cNvPr id="17" name="TextBox 16">
+            <a:extLst>
+              <a:ext uri="{FF2B5EF4-FFF2-40B4-BE49-F238E27FC236}">
+                <a16:creationId xmlns:a16="http://schemas.microsoft.com/office/drawing/2014/main" id="{1AC5702D-B3AF-05C1-52E6-291A885C37DF}"/>
+              </a:ext>
+            </a:extLst>
+          </p:cNvPr>
+          <p:cNvSpPr txBox="1"/>
           <p:nvPr/>
-        </p:nvPicPr>
-        <p:blipFill>
-          <a:blip r:embed="rId6">
-            <a:clrChange>
-              <a:clrFrom>
-                <a:srgbClr val="69A9D5"/>
-              </a:clrFrom>
-              <a:clrTo>
-                <a:srgbClr val="69A9D5">
-                  <a:alpha val="0"/>
-                </a:srgbClr>
-              </a:clrTo>
-            </a:clrChange>
-            <a:extLst>
-              <a:ext uri="{28A0092B-C50C-407E-A947-70E740481C1C}">
-                <a14:useLocalDpi xmlns:a14="http://schemas.microsoft.com/office/drawing/2010/main" val="0"/>
-              </a:ext>
-            </a:extLst>
-          </a:blip>
-          <a:srcRect/>
-          <a:stretch>
-            <a:fillRect/>
-          </a:stretch>
-        </p:blipFill>
-        <p:spPr bwMode="auto">
-          <a:xfrm>
-            <a:off x="793350" y="763841"/>
-            <a:ext cx="2035358" cy="1545298"/>
+        </p:nvSpPr>
+        <p:spPr>
+          <a:xfrm>
+            <a:off x="1140284" y="1359608"/>
+            <a:ext cx="1248556" cy="338554"/>
           </a:xfrm>
           <a:prstGeom prst="rect">
             <a:avLst/>
           </a:prstGeom>
           <a:noFill/>
-          <a:extLst>
-            <a:ext uri="{909E8E84-426E-40DD-AFC4-6F175D3DCCD1}">
-              <a14:hiddenFill xmlns:a14="http://schemas.microsoft.com/office/drawing/2010/main">
+        </p:spPr>
+        <p:txBody>
+          <a:bodyPr wrap="square" rtlCol="0">
+            <a:spAutoFit/>
+          </a:bodyPr>
+          <a:lstStyle/>
+          <a:p>
+            <a:pPr algn="ctr"/>
+            <a:r>
+              <a:rPr lang="en-US" sz="1600" b="1" dirty="0">
                 <a:solidFill>
-                  <a:srgbClr val="FFFFFF"/>
+                  <a:srgbClr val="22ADE4"/>
                 </a:solidFill>
-              </a14:hiddenFill>
-            </a:ext>
-          </a:extLst>
-        </p:spPr>
-      </p:pic>
+              </a:rPr>
+              <a:t>Volunteers</a:t>
+            </a:r>
+            <a:endParaRPr lang="en-IL" sz="1600" b="1" dirty="0">
+              <a:solidFill>
+                <a:srgbClr val="22ADE4"/>
+              </a:solidFill>
+            </a:endParaRPr>
+          </a:p>
+        </p:txBody>
+      </p:sp>
     </p:spTree>
     <p:extLst>
       <p:ext uri="{BB962C8B-B14F-4D97-AF65-F5344CB8AC3E}">
-        <p14:creationId xmlns:p14="http://schemas.microsoft.com/office/powerpoint/2010/main" val="2880724730"/>
+        <p14:creationId xmlns:p14="http://schemas.microsoft.com/office/powerpoint/2010/main" val="1930548761"/>
       </p:ext>
     </p:extLst>
   </p:cSld>
@@ -8378,6 +8516,869 @@
           <a:chExt cx="0" cy="0"/>
         </a:xfrm>
       </p:grpSpPr>
+      <p:sp>
+        <p:nvSpPr>
+          <p:cNvPr id="10" name="Rectangle 9">
+            <a:extLst>
+              <a:ext uri="{FF2B5EF4-FFF2-40B4-BE49-F238E27FC236}">
+                <a16:creationId xmlns:a16="http://schemas.microsoft.com/office/drawing/2014/main" id="{8D06CE56-3881-4ADA-8CEF-D18B02C242A3}"/>
+              </a:ext>
+              <a:ext uri="{C183D7F6-B498-43B3-948B-1728B52AA6E4}">
+                <adec:decorative xmlns:adec="http://schemas.microsoft.com/office/drawing/2017/decorative" val="1"/>
+              </a:ext>
+            </a:extLst>
+          </p:cNvPr>
+          <p:cNvSpPr>
+            <a:spLocks noGrp="1" noRot="1" noChangeAspect="1" noMove="1" noResize="1" noEditPoints="1" noAdjustHandles="1" noChangeArrowheads="1" noChangeShapeType="1" noTextEdit="1"/>
+          </p:cNvSpPr>
+          <p:nvPr>
+            <p:extLst>
+              <p:ext uri="{386F3935-93C4-4BCD-93E2-E3B085C9AB24}">
+                <p16:designElem xmlns:p16="http://schemas.microsoft.com/office/powerpoint/2015/main" val="1"/>
+              </p:ext>
+            </p:extLst>
+          </p:nvPr>
+        </p:nvSpPr>
+        <p:spPr>
+          <a:xfrm rot="5400000">
+            <a:off x="857544" y="346791"/>
+            <a:ext cx="146304" cy="704088"/>
+          </a:xfrm>
+          <a:prstGeom prst="rect">
+            <a:avLst/>
+          </a:prstGeom>
+          <a:solidFill>
+            <a:schemeClr val="accent1"/>
+          </a:solidFill>
+          <a:ln>
+            <a:noFill/>
+          </a:ln>
+        </p:spPr>
+        <p:style>
+          <a:lnRef idx="2">
+            <a:schemeClr val="accent1">
+              <a:shade val="50000"/>
+            </a:schemeClr>
+          </a:lnRef>
+          <a:fillRef idx="1">
+            <a:schemeClr val="accent1"/>
+          </a:fillRef>
+          <a:effectRef idx="0">
+            <a:schemeClr val="accent1"/>
+          </a:effectRef>
+          <a:fontRef idx="minor">
+            <a:schemeClr val="lt1"/>
+          </a:fontRef>
+        </p:style>
+        <p:txBody>
+          <a:bodyPr rtlCol="0" anchor="ctr"/>
+          <a:lstStyle/>
+          <a:p>
+            <a:pPr marL="0" marR="0" lvl="0" indent="0" algn="ctr" defTabSz="914400" rtl="0" eaLnBrk="1" fontAlgn="auto" latinLnBrk="0" hangingPunct="1">
+              <a:lnSpc>
+                <a:spcPct val="100000"/>
+              </a:lnSpc>
+              <a:spcBef>
+                <a:spcPts val="0"/>
+              </a:spcBef>
+              <a:spcAft>
+                <a:spcPts val="0"/>
+              </a:spcAft>
+              <a:buClrTx/>
+              <a:buSzTx/>
+              <a:buFontTx/>
+              <a:buNone/>
+              <a:tabLst/>
+              <a:defRPr/>
+            </a:pPr>
+            <a:endParaRPr kumimoji="0" lang="en-US" sz="1800" b="0" i="0" u="none" strike="noStrike" kern="1200" cap="none" spc="0" normalizeH="0" baseline="0" noProof="0">
+              <a:ln>
+                <a:noFill/>
+              </a:ln>
+              <a:solidFill>
+                <a:prstClr val="white"/>
+              </a:solidFill>
+              <a:effectLst/>
+              <a:uLnTx/>
+              <a:uFillTx/>
+              <a:latin typeface="Calibri" panose="020F0502020204030204"/>
+              <a:ea typeface="+mn-ea"/>
+              <a:cs typeface="+mn-cs"/>
+            </a:endParaRPr>
+          </a:p>
+        </p:txBody>
+      </p:sp>
+      <p:sp>
+        <p:nvSpPr>
+          <p:cNvPr id="12" name="Rectangle 11">
+            <a:extLst>
+              <a:ext uri="{FF2B5EF4-FFF2-40B4-BE49-F238E27FC236}">
+                <a16:creationId xmlns:a16="http://schemas.microsoft.com/office/drawing/2014/main" id="{79F3C543-62EC-4433-9C93-A2CD8764E9B4}"/>
+              </a:ext>
+              <a:ext uri="{C183D7F6-B498-43B3-948B-1728B52AA6E4}">
+                <adec:decorative xmlns:adec="http://schemas.microsoft.com/office/drawing/2017/decorative" val="1"/>
+              </a:ext>
+            </a:extLst>
+          </p:cNvPr>
+          <p:cNvSpPr>
+            <a:spLocks noGrp="1" noRot="1" noChangeAspect="1" noMove="1" noResize="1" noEditPoints="1" noAdjustHandles="1" noChangeArrowheads="1" noChangeShapeType="1" noTextEdit="1"/>
+          </p:cNvSpPr>
+          <p:nvPr>
+            <p:extLst>
+              <p:ext uri="{386F3935-93C4-4BCD-93E2-E3B085C9AB24}">
+                <p16:designElem xmlns:p16="http://schemas.microsoft.com/office/powerpoint/2015/main" val="1"/>
+              </p:ext>
+            </p:extLst>
+          </p:nvPr>
+        </p:nvSpPr>
+        <p:spPr>
+          <a:xfrm flipV="1">
+            <a:off x="578652" y="4501201"/>
+            <a:ext cx="11034696" cy="18288"/>
+          </a:xfrm>
+          <a:prstGeom prst="rect">
+            <a:avLst/>
+          </a:prstGeom>
+          <a:solidFill>
+            <a:schemeClr val="tx2">
+              <a:lumMod val="25000"/>
+              <a:lumOff val="75000"/>
+            </a:schemeClr>
+          </a:solidFill>
+          <a:ln w="3175">
+            <a:noFill/>
+          </a:ln>
+          <a:effectLst/>
+        </p:spPr>
+        <p:style>
+          <a:lnRef idx="2">
+            <a:schemeClr val="accent1">
+              <a:shade val="50000"/>
+            </a:schemeClr>
+          </a:lnRef>
+          <a:fillRef idx="1">
+            <a:schemeClr val="accent1"/>
+          </a:fillRef>
+          <a:effectRef idx="0">
+            <a:schemeClr val="accent1"/>
+          </a:effectRef>
+          <a:fontRef idx="minor">
+            <a:schemeClr val="lt1"/>
+          </a:fontRef>
+        </p:style>
+        <p:txBody>
+          <a:bodyPr rtlCol="0" anchor="ctr"/>
+          <a:lstStyle/>
+          <a:p>
+            <a:pPr marL="0" marR="0" lvl="0" indent="0" algn="ctr" defTabSz="914400" rtl="0" eaLnBrk="1" fontAlgn="auto" latinLnBrk="0" hangingPunct="1">
+              <a:lnSpc>
+                <a:spcPct val="100000"/>
+              </a:lnSpc>
+              <a:spcBef>
+                <a:spcPts val="0"/>
+              </a:spcBef>
+              <a:spcAft>
+                <a:spcPts val="0"/>
+              </a:spcAft>
+              <a:buClrTx/>
+              <a:buSzTx/>
+              <a:buFontTx/>
+              <a:buNone/>
+              <a:tabLst/>
+              <a:defRPr/>
+            </a:pPr>
+            <a:endParaRPr kumimoji="0" lang="en-US" sz="1800" b="0" i="0" u="none" strike="noStrike" kern="1200" cap="none" spc="0" normalizeH="0" baseline="0" noProof="0">
+              <a:ln>
+                <a:noFill/>
+              </a:ln>
+              <a:solidFill>
+                <a:prstClr val="white"/>
+              </a:solidFill>
+              <a:effectLst/>
+              <a:uLnTx/>
+              <a:uFillTx/>
+              <a:latin typeface="Calibri" panose="020F0502020204030204"/>
+              <a:ea typeface="+mn-ea"/>
+              <a:cs typeface="+mn-cs"/>
+            </a:endParaRPr>
+          </a:p>
+        </p:txBody>
+      </p:sp>
+      <p:sp useBgFill="1">
+        <p:nvSpPr>
+          <p:cNvPr id="14" name="Rectangle 13">
+            <a:extLst>
+              <a:ext uri="{FF2B5EF4-FFF2-40B4-BE49-F238E27FC236}">
+                <a16:creationId xmlns:a16="http://schemas.microsoft.com/office/drawing/2014/main" id="{C1A1C5D3-C053-4EE9-BE1A-419B6E27CCAE}"/>
+              </a:ext>
+              <a:ext uri="{C183D7F6-B498-43B3-948B-1728B52AA6E4}">
+                <adec:decorative xmlns:adec="http://schemas.microsoft.com/office/drawing/2017/decorative" val="1"/>
+              </a:ext>
+            </a:extLst>
+          </p:cNvPr>
+          <p:cNvSpPr>
+            <a:spLocks noGrp="1" noRot="1" noChangeAspect="1" noMove="1" noResize="1" noEditPoints="1" noAdjustHandles="1" noChangeArrowheads="1" noChangeShapeType="1" noTextEdit="1"/>
+          </p:cNvSpPr>
+          <p:nvPr>
+            <p:extLst>
+              <p:ext uri="{386F3935-93C4-4BCD-93E2-E3B085C9AB24}">
+                <p16:designElem xmlns:p16="http://schemas.microsoft.com/office/powerpoint/2015/main" val="1"/>
+              </p:ext>
+            </p:extLst>
+          </p:nvPr>
+        </p:nvSpPr>
+        <p:spPr>
+          <a:xfrm>
+            <a:off x="0" y="0"/>
+            <a:ext cx="12192000" cy="6858000"/>
+          </a:xfrm>
+          <a:prstGeom prst="rect">
+            <a:avLst/>
+          </a:prstGeom>
+          <a:ln>
+            <a:noFill/>
+          </a:ln>
+        </p:spPr>
+        <p:style>
+          <a:lnRef idx="2">
+            <a:schemeClr val="accent1">
+              <a:shade val="50000"/>
+            </a:schemeClr>
+          </a:lnRef>
+          <a:fillRef idx="1">
+            <a:schemeClr val="accent1"/>
+          </a:fillRef>
+          <a:effectRef idx="0">
+            <a:schemeClr val="accent1"/>
+          </a:effectRef>
+          <a:fontRef idx="minor">
+            <a:schemeClr val="lt1"/>
+          </a:fontRef>
+        </p:style>
+        <p:txBody>
+          <a:bodyPr rtlCol="0" anchor="ctr"/>
+          <a:lstStyle/>
+          <a:p>
+            <a:pPr algn="ctr"/>
+            <a:endParaRPr lang="en-US"/>
+          </a:p>
+        </p:txBody>
+      </p:sp>
+      <p:sp useBgFill="1">
+        <p:nvSpPr>
+          <p:cNvPr id="16" name="Rectangle 15">
+            <a:extLst>
+              <a:ext uri="{FF2B5EF4-FFF2-40B4-BE49-F238E27FC236}">
+                <a16:creationId xmlns:a16="http://schemas.microsoft.com/office/drawing/2014/main" id="{A3473CF9-37EB-43E7-89EF-D2D1C53D1DAC}"/>
+              </a:ext>
+              <a:ext uri="{C183D7F6-B498-43B3-948B-1728B52AA6E4}">
+                <adec:decorative xmlns:adec="http://schemas.microsoft.com/office/drawing/2017/decorative" val="1"/>
+              </a:ext>
+            </a:extLst>
+          </p:cNvPr>
+          <p:cNvSpPr>
+            <a:spLocks noGrp="1" noRot="1" noChangeAspect="1" noMove="1" noResize="1" noEditPoints="1" noAdjustHandles="1" noChangeArrowheads="1" noChangeShapeType="1" noTextEdit="1"/>
+          </p:cNvSpPr>
+          <p:nvPr>
+            <p:extLst>
+              <p:ext uri="{386F3935-93C4-4BCD-93E2-E3B085C9AB24}">
+                <p16:designElem xmlns:p16="http://schemas.microsoft.com/office/powerpoint/2015/main" val="1"/>
+              </p:ext>
+            </p:extLst>
+          </p:nvPr>
+        </p:nvSpPr>
+        <p:spPr>
+          <a:xfrm>
+            <a:off x="1903615" y="221673"/>
+            <a:ext cx="8384770" cy="1332634"/>
+          </a:xfrm>
+          <a:prstGeom prst="rect">
+            <a:avLst/>
+          </a:prstGeom>
+          <a:ln w="12700">
+            <a:solidFill>
+              <a:schemeClr val="tx2">
+                <a:lumMod val="10000"/>
+                <a:lumOff val="90000"/>
+              </a:schemeClr>
+            </a:solidFill>
+          </a:ln>
+          <a:effectLst>
+            <a:outerShdw blurRad="50800" dist="38100" dir="2700000" algn="tl" rotWithShape="0">
+              <a:schemeClr val="bg2">
+                <a:lumMod val="85000"/>
+                <a:alpha val="30000"/>
+              </a:schemeClr>
+            </a:outerShdw>
+          </a:effectLst>
+        </p:spPr>
+        <p:style>
+          <a:lnRef idx="2">
+            <a:schemeClr val="accent1">
+              <a:shade val="50000"/>
+            </a:schemeClr>
+          </a:lnRef>
+          <a:fillRef idx="1">
+            <a:schemeClr val="accent1"/>
+          </a:fillRef>
+          <a:effectRef idx="0">
+            <a:schemeClr val="accent1"/>
+          </a:effectRef>
+          <a:fontRef idx="minor">
+            <a:schemeClr val="lt1"/>
+          </a:fontRef>
+        </p:style>
+        <p:txBody>
+          <a:bodyPr rtlCol="0" anchor="ctr"/>
+          <a:lstStyle/>
+          <a:p>
+            <a:pPr marL="0" marR="0" lvl="0" indent="0" algn="ctr" defTabSz="914400" rtl="0" eaLnBrk="1" fontAlgn="auto" latinLnBrk="0" hangingPunct="1">
+              <a:lnSpc>
+                <a:spcPct val="100000"/>
+              </a:lnSpc>
+              <a:spcBef>
+                <a:spcPts val="0"/>
+              </a:spcBef>
+              <a:spcAft>
+                <a:spcPts val="0"/>
+              </a:spcAft>
+              <a:buClrTx/>
+              <a:buSzTx/>
+              <a:buFontTx/>
+              <a:buNone/>
+              <a:tabLst/>
+              <a:defRPr/>
+            </a:pPr>
+            <a:endParaRPr kumimoji="0" lang="en-US" sz="1800" b="0" i="0" u="none" strike="noStrike" kern="1200" cap="none" spc="0" normalizeH="0" baseline="0" noProof="0">
+              <a:ln>
+                <a:noFill/>
+              </a:ln>
+              <a:solidFill>
+                <a:prstClr val="white"/>
+              </a:solidFill>
+              <a:effectLst/>
+              <a:uLnTx/>
+              <a:uFillTx/>
+              <a:latin typeface="Calibri" panose="020F0502020204030204"/>
+              <a:ea typeface="+mn-ea"/>
+              <a:cs typeface="+mn-cs"/>
+            </a:endParaRPr>
+          </a:p>
+        </p:txBody>
+      </p:sp>
+      <p:sp>
+        <p:nvSpPr>
+          <p:cNvPr id="2" name="Title 1">
+            <a:extLst>
+              <a:ext uri="{FF2B5EF4-FFF2-40B4-BE49-F238E27FC236}">
+                <a16:creationId xmlns:a16="http://schemas.microsoft.com/office/drawing/2014/main" id="{89DE16DA-FC08-E480-8C2F-D5CE779298C5}"/>
+              </a:ext>
+            </a:extLst>
+          </p:cNvPr>
+          <p:cNvSpPr>
+            <a:spLocks noGrp="1"/>
+          </p:cNvSpPr>
+          <p:nvPr>
+            <p:ph type="title"/>
+          </p:nvPr>
+        </p:nvSpPr>
+        <p:spPr>
+          <a:xfrm>
+            <a:off x="2103121" y="310343"/>
+            <a:ext cx="7985759" cy="868823"/>
+          </a:xfrm>
+        </p:spPr>
+        <p:txBody>
+          <a:bodyPr vert="horz" lIns="91440" tIns="45720" rIns="91440" bIns="45720" rtlCol="0" anchor="ctr">
+            <a:normAutofit/>
+          </a:bodyPr>
+          <a:lstStyle/>
+          <a:p>
+            <a:pPr algn="ctr"/>
+            <a:r>
+              <a:rPr lang="en-US" b="1" dirty="0">
+                <a:ln w="0"/>
+                <a:solidFill>
+                  <a:schemeClr val="accent1"/>
+                </a:solidFill>
+                <a:effectLst>
+                  <a:outerShdw blurRad="38100" dist="25400" dir="5400000" algn="ctr" rotWithShape="0">
+                    <a:srgbClr val="6E747A">
+                      <a:alpha val="43000"/>
+                    </a:srgbClr>
+                  </a:outerShdw>
+                </a:effectLst>
+              </a:rPr>
+              <a:t>A Big Thank You!</a:t>
+            </a:r>
+          </a:p>
+        </p:txBody>
+      </p:sp>
+      <p:sp>
+        <p:nvSpPr>
+          <p:cNvPr id="18" name="Rectangle: Rounded Corners 17">
+            <a:extLst>
+              <a:ext uri="{FF2B5EF4-FFF2-40B4-BE49-F238E27FC236}">
+                <a16:creationId xmlns:a16="http://schemas.microsoft.com/office/drawing/2014/main" id="{586B4EF9-43BA-4655-A6FF-1D8E21574C95}"/>
+              </a:ext>
+              <a:ext uri="{C183D7F6-B498-43B3-948B-1728B52AA6E4}">
+                <adec:decorative xmlns:adec="http://schemas.microsoft.com/office/drawing/2017/decorative" val="1"/>
+              </a:ext>
+            </a:extLst>
+          </p:cNvPr>
+          <p:cNvSpPr>
+            <a:spLocks noGrp="1" noRot="1" noChangeAspect="1" noMove="1" noResize="1" noEditPoints="1" noAdjustHandles="1" noChangeArrowheads="1" noChangeShapeType="1" noTextEdit="1"/>
+          </p:cNvSpPr>
+          <p:nvPr>
+            <p:extLst>
+              <p:ext uri="{386F3935-93C4-4BCD-93E2-E3B085C9AB24}">
+                <p16:designElem xmlns:p16="http://schemas.microsoft.com/office/powerpoint/2015/main" val="1"/>
+              </p:ext>
+            </p:extLst>
+          </p:nvPr>
+        </p:nvSpPr>
+        <p:spPr>
+          <a:xfrm>
+            <a:off x="2483110" y="1211407"/>
+            <a:ext cx="7225780" cy="685800"/>
+          </a:xfrm>
+          <a:prstGeom prst="roundRect">
+            <a:avLst>
+              <a:gd name="adj" fmla="val 0"/>
+            </a:avLst>
+          </a:prstGeom>
+          <a:solidFill>
+            <a:schemeClr val="accent1"/>
+          </a:solidFill>
+          <a:ln>
+            <a:noFill/>
+          </a:ln>
+        </p:spPr>
+        <p:style>
+          <a:lnRef idx="2">
+            <a:schemeClr val="accent1">
+              <a:shade val="50000"/>
+            </a:schemeClr>
+          </a:lnRef>
+          <a:fillRef idx="1">
+            <a:schemeClr val="accent1"/>
+          </a:fillRef>
+          <a:effectRef idx="0">
+            <a:schemeClr val="accent1"/>
+          </a:effectRef>
+          <a:fontRef idx="minor">
+            <a:schemeClr val="lt1"/>
+          </a:fontRef>
+        </p:style>
+        <p:txBody>
+          <a:bodyPr rtlCol="0" anchor="ctr"/>
+          <a:lstStyle/>
+          <a:p>
+            <a:pPr marL="0" marR="0" lvl="0" indent="0" algn="ctr" defTabSz="914400" rtl="0" eaLnBrk="1" fontAlgn="auto" latinLnBrk="0" hangingPunct="1">
+              <a:lnSpc>
+                <a:spcPct val="100000"/>
+              </a:lnSpc>
+              <a:spcBef>
+                <a:spcPts val="0"/>
+              </a:spcBef>
+              <a:spcAft>
+                <a:spcPts val="0"/>
+              </a:spcAft>
+              <a:buClrTx/>
+              <a:buSzTx/>
+              <a:buFontTx/>
+              <a:buNone/>
+              <a:tabLst/>
+              <a:defRPr/>
+            </a:pPr>
+            <a:endParaRPr kumimoji="0" lang="en-US" sz="1800" b="0" i="0" u="none" strike="noStrike" kern="1200" cap="none" spc="0" normalizeH="0" baseline="0" noProof="0">
+              <a:ln>
+                <a:noFill/>
+              </a:ln>
+              <a:solidFill>
+                <a:prstClr val="white"/>
+              </a:solidFill>
+              <a:effectLst/>
+              <a:uLnTx/>
+              <a:uFillTx/>
+              <a:latin typeface="Avenir Next LT Pro"/>
+              <a:ea typeface="+mn-ea"/>
+              <a:cs typeface="+mn-cs"/>
+            </a:endParaRPr>
+          </a:p>
+        </p:txBody>
+      </p:sp>
+      <p:pic>
+        <p:nvPicPr>
+          <p:cNvPr id="7" name="Graphic 6" descr="Handshake">
+            <a:extLst>
+              <a:ext uri="{FF2B5EF4-FFF2-40B4-BE49-F238E27FC236}">
+                <a16:creationId xmlns:a16="http://schemas.microsoft.com/office/drawing/2014/main" id="{95B4266A-6BD4-93E5-9293-A88CBB8738DD}"/>
+              </a:ext>
+            </a:extLst>
+          </p:cNvPr>
+          <p:cNvPicPr>
+            <a:picLocks noChangeAspect="1"/>
+          </p:cNvPicPr>
+          <p:nvPr/>
+        </p:nvPicPr>
+        <p:blipFill>
+          <a:blip r:embed="rId3">
+            <a:extLst>
+              <a:ext uri="{28A0092B-C50C-407E-A947-70E740481C1C}">
+                <a14:useLocalDpi xmlns:a14="http://schemas.microsoft.com/office/drawing/2010/main" val="0"/>
+              </a:ext>
+              <a:ext uri="{96DAC541-7B7A-43D3-8B79-37D633B846F1}">
+                <asvg:svgBlip xmlns:asvg="http://schemas.microsoft.com/office/drawing/2016/SVG/main" r:embed="rId4"/>
+              </a:ext>
+            </a:extLst>
+          </a:blip>
+          <a:stretch>
+            <a:fillRect/>
+          </a:stretch>
+        </p:blipFill>
+        <p:spPr>
+          <a:xfrm>
+            <a:off x="4047744" y="1279674"/>
+            <a:ext cx="4096512" cy="4096512"/>
+          </a:xfrm>
+          <a:prstGeom prst="rect">
+            <a:avLst/>
+          </a:prstGeom>
+        </p:spPr>
+      </p:pic>
+      <p:sp>
+        <p:nvSpPr>
+          <p:cNvPr id="8" name="TextBox 7">
+            <a:extLst>
+              <a:ext uri="{FF2B5EF4-FFF2-40B4-BE49-F238E27FC236}">
+                <a16:creationId xmlns:a16="http://schemas.microsoft.com/office/drawing/2014/main" id="{4C131ADC-C47B-0F05-16C7-83A925131C7E}"/>
+              </a:ext>
+            </a:extLst>
+          </p:cNvPr>
+          <p:cNvSpPr txBox="1"/>
+          <p:nvPr/>
+        </p:nvSpPr>
+        <p:spPr>
+          <a:xfrm>
+            <a:off x="1175555" y="4828748"/>
+            <a:ext cx="9840889" cy="1077218"/>
+          </a:xfrm>
+          <a:prstGeom prst="rect">
+            <a:avLst/>
+          </a:prstGeom>
+          <a:noFill/>
+        </p:spPr>
+        <p:txBody>
+          <a:bodyPr wrap="square">
+            <a:spAutoFit/>
+          </a:bodyPr>
+          <a:lstStyle/>
+          <a:p>
+            <a:pPr algn="ctr"/>
+            <a:r>
+              <a:rPr lang="en-US" sz="3200" dirty="0"/>
+              <a:t>You have done a marvelous job as </a:t>
+            </a:r>
+            <a:r>
+              <a:rPr lang="en-US" sz="3200" b="1" dirty="0"/>
+              <a:t>event organizer</a:t>
+            </a:r>
+            <a:r>
+              <a:rPr lang="en-US" sz="3200" dirty="0"/>
+              <a:t>. We appreciate your dedication and skill.</a:t>
+            </a:r>
+            <a:endParaRPr lang="en-IL" sz="3200" dirty="0"/>
+          </a:p>
+        </p:txBody>
+      </p:sp>
+      <p:sp>
+        <p:nvSpPr>
+          <p:cNvPr id="15" name="TextBox 14">
+            <a:extLst>
+              <a:ext uri="{FF2B5EF4-FFF2-40B4-BE49-F238E27FC236}">
+                <a16:creationId xmlns:a16="http://schemas.microsoft.com/office/drawing/2014/main" id="{C18B166D-4CD1-FD5F-F512-1401133B3237}"/>
+              </a:ext>
+            </a:extLst>
+          </p:cNvPr>
+          <p:cNvSpPr txBox="1"/>
+          <p:nvPr/>
+        </p:nvSpPr>
+        <p:spPr>
+          <a:xfrm>
+            <a:off x="2634921" y="1124389"/>
+            <a:ext cx="5779327" cy="830997"/>
+          </a:xfrm>
+          <a:prstGeom prst="rect">
+            <a:avLst/>
+          </a:prstGeom>
+          <a:noFill/>
+        </p:spPr>
+        <p:txBody>
+          <a:bodyPr wrap="square">
+            <a:spAutoFit/>
+          </a:bodyPr>
+          <a:lstStyle/>
+          <a:p>
+            <a:r>
+              <a:rPr lang="en-IL" sz="4600" b="1" dirty="0">
+                <a:solidFill>
+                  <a:schemeClr val="bg1"/>
+                </a:solidFill>
+              </a:rPr>
+              <a:t>Future Data Driven</a:t>
+            </a:r>
+            <a:r>
+              <a:rPr lang="en-US" sz="4600" b="1" dirty="0">
+                <a:solidFill>
+                  <a:schemeClr val="bg1"/>
+                </a:solidFill>
+              </a:rPr>
+              <a:t> </a:t>
+            </a:r>
+            <a:endParaRPr lang="en-IL" sz="4600" b="1" dirty="0">
+              <a:solidFill>
+                <a:schemeClr val="bg1"/>
+              </a:solidFill>
+            </a:endParaRPr>
+          </a:p>
+        </p:txBody>
+      </p:sp>
+      <p:sp>
+        <p:nvSpPr>
+          <p:cNvPr id="31" name="Rectangle: Rounded Corners 30">
+            <a:extLst>
+              <a:ext uri="{FF2B5EF4-FFF2-40B4-BE49-F238E27FC236}">
+                <a16:creationId xmlns:a16="http://schemas.microsoft.com/office/drawing/2014/main" id="{FAEE65B6-95ED-A43E-0A5A-06179BF0F1C1}"/>
+              </a:ext>
+            </a:extLst>
+          </p:cNvPr>
+          <p:cNvSpPr/>
+          <p:nvPr/>
+        </p:nvSpPr>
+        <p:spPr>
+          <a:xfrm>
+            <a:off x="471488" y="216821"/>
+            <a:ext cx="11034696" cy="6366217"/>
+          </a:xfrm>
+          <a:prstGeom prst="roundRect">
+            <a:avLst/>
+          </a:prstGeom>
+          <a:noFill/>
+          <a:ln w="57150">
+            <a:solidFill>
+              <a:schemeClr val="accent1"/>
+            </a:solidFill>
+          </a:ln>
+        </p:spPr>
+        <p:style>
+          <a:lnRef idx="2">
+            <a:schemeClr val="accent1">
+              <a:shade val="15000"/>
+            </a:schemeClr>
+          </a:lnRef>
+          <a:fillRef idx="1">
+            <a:schemeClr val="accent1"/>
+          </a:fillRef>
+          <a:effectRef idx="0">
+            <a:schemeClr val="accent1"/>
+          </a:effectRef>
+          <a:fontRef idx="minor">
+            <a:schemeClr val="lt1"/>
+          </a:fontRef>
+        </p:style>
+        <p:txBody>
+          <a:bodyPr rtlCol="0" anchor="ctr"/>
+          <a:lstStyle/>
+          <a:p>
+            <a:pPr algn="ctr"/>
+            <a:endParaRPr lang="en-IL"/>
+          </a:p>
+        </p:txBody>
+      </p:sp>
+      <p:sp>
+        <p:nvSpPr>
+          <p:cNvPr id="11" name="Rectangle: Rounded Corners 10">
+            <a:extLst>
+              <a:ext uri="{FF2B5EF4-FFF2-40B4-BE49-F238E27FC236}">
+                <a16:creationId xmlns:a16="http://schemas.microsoft.com/office/drawing/2014/main" id="{65EC1D5D-C84B-3D02-1A8F-1E2D912848EC}"/>
+              </a:ext>
+            </a:extLst>
+          </p:cNvPr>
+          <p:cNvSpPr/>
+          <p:nvPr/>
+        </p:nvSpPr>
+        <p:spPr>
+          <a:xfrm>
+            <a:off x="8991734" y="473496"/>
+            <a:ext cx="1435155" cy="1080811"/>
+          </a:xfrm>
+          <a:prstGeom prst="roundRect">
+            <a:avLst/>
+          </a:prstGeom>
+          <a:solidFill>
+            <a:schemeClr val="accent1">
+              <a:lumMod val="20000"/>
+              <a:lumOff val="80000"/>
+            </a:schemeClr>
+          </a:solidFill>
+        </p:spPr>
+        <p:style>
+          <a:lnRef idx="2">
+            <a:schemeClr val="accent1">
+              <a:shade val="15000"/>
+            </a:schemeClr>
+          </a:lnRef>
+          <a:fillRef idx="1">
+            <a:schemeClr val="accent1"/>
+          </a:fillRef>
+          <a:effectRef idx="0">
+            <a:schemeClr val="accent1"/>
+          </a:effectRef>
+          <a:fontRef idx="minor">
+            <a:schemeClr val="lt1"/>
+          </a:fontRef>
+        </p:style>
+        <p:txBody>
+          <a:bodyPr rtlCol="0" anchor="ctr"/>
+          <a:lstStyle/>
+          <a:p>
+            <a:pPr algn="ctr"/>
+            <a:endParaRPr lang="en-IL"/>
+          </a:p>
+        </p:txBody>
+      </p:sp>
+      <p:pic>
+        <p:nvPicPr>
+          <p:cNvPr id="13" name="Picture 12" descr="A logo with a cloud in the center&#10;&#10;Description automatically generated">
+            <a:extLst>
+              <a:ext uri="{FF2B5EF4-FFF2-40B4-BE49-F238E27FC236}">
+                <a16:creationId xmlns:a16="http://schemas.microsoft.com/office/drawing/2014/main" id="{0D16B8D2-6F1F-6681-5FE4-B7B41D7F24B6}"/>
+              </a:ext>
+            </a:extLst>
+          </p:cNvPr>
+          <p:cNvPicPr>
+            <a:picLocks noChangeAspect="1"/>
+          </p:cNvPicPr>
+          <p:nvPr/>
+        </p:nvPicPr>
+        <p:blipFill>
+          <a:blip r:embed="rId5">
+            <a:extLst>
+              <a:ext uri="{28A0092B-C50C-407E-A947-70E740481C1C}">
+                <a14:useLocalDpi xmlns:a14="http://schemas.microsoft.com/office/drawing/2010/main" val="0"/>
+              </a:ext>
+            </a:extLst>
+          </a:blip>
+          <a:stretch>
+            <a:fillRect/>
+          </a:stretch>
+        </p:blipFill>
+        <p:spPr>
+          <a:xfrm>
+            <a:off x="8253482" y="567873"/>
+            <a:ext cx="1894147" cy="1222585"/>
+          </a:xfrm>
+          <a:prstGeom prst="rect">
+            <a:avLst/>
+          </a:prstGeom>
+        </p:spPr>
+      </p:pic>
+      <p:pic>
+        <p:nvPicPr>
+          <p:cNvPr id="1026" name="Picture 2" descr="calender, icon, pictogram, web, black, number, holiday, year, template, set, message, symbol, business, paper, schedule, agenda, binder, note, sign, office, appointment, date, calendar, design, day, event, reminder, plan, time, organizer, flat, month, page, smartphone, android, technology, display, device, wireless, mobile phone, phone, man, standing, dark background, formal, modern, internet, contact, portable computers, communication, large, screen, copyspace, idea, cartoon character, product, display advertising, presentation, multimedia, gadget, online advertising, communication device, collaboration, organization, job, brand, display device, electronic device, telephony, conversation, advertising">
+            <a:extLst>
+              <a:ext uri="{FF2B5EF4-FFF2-40B4-BE49-F238E27FC236}">
+                <a16:creationId xmlns:a16="http://schemas.microsoft.com/office/drawing/2014/main" id="{39BF80F1-7ED6-BBBB-73E7-27EB04D43758}"/>
+              </a:ext>
+            </a:extLst>
+          </p:cNvPr>
+          <p:cNvPicPr>
+            <a:picLocks noChangeAspect="1" noChangeArrowheads="1"/>
+          </p:cNvPicPr>
+          <p:nvPr/>
+        </p:nvPicPr>
+        <p:blipFill>
+          <a:blip r:embed="rId6">
+            <a:clrChange>
+              <a:clrFrom>
+                <a:srgbClr val="69A9D5"/>
+              </a:clrFrom>
+              <a:clrTo>
+                <a:srgbClr val="69A9D5">
+                  <a:alpha val="0"/>
+                </a:srgbClr>
+              </a:clrTo>
+            </a:clrChange>
+            <a:extLst>
+              <a:ext uri="{28A0092B-C50C-407E-A947-70E740481C1C}">
+                <a14:useLocalDpi xmlns:a14="http://schemas.microsoft.com/office/drawing/2010/main" val="0"/>
+              </a:ext>
+            </a:extLst>
+          </a:blip>
+          <a:srcRect/>
+          <a:stretch>
+            <a:fillRect/>
+          </a:stretch>
+        </p:blipFill>
+        <p:spPr bwMode="auto">
+          <a:xfrm>
+            <a:off x="793350" y="763841"/>
+            <a:ext cx="2035358" cy="1545298"/>
+          </a:xfrm>
+          <a:prstGeom prst="rect">
+            <a:avLst/>
+          </a:prstGeom>
+          <a:noFill/>
+          <a:extLst>
+            <a:ext uri="{909E8E84-426E-40DD-AFC4-6F175D3DCCD1}">
+              <a14:hiddenFill xmlns:a14="http://schemas.microsoft.com/office/drawing/2010/main">
+                <a:solidFill>
+                  <a:srgbClr val="FFFFFF"/>
+                </a:solidFill>
+              </a14:hiddenFill>
+            </a:ext>
+          </a:extLst>
+        </p:spPr>
+      </p:pic>
+    </p:spTree>
+    <p:extLst>
+      <p:ext uri="{BB962C8B-B14F-4D97-AF65-F5344CB8AC3E}">
+        <p14:creationId xmlns:p14="http://schemas.microsoft.com/office/powerpoint/2010/main" val="2880724730"/>
+      </p:ext>
+    </p:extLst>
+  </p:cSld>
+  <p:clrMapOvr>
+    <a:masterClrMapping/>
+  </p:clrMapOvr>
+</p:sld>
+</file>
+
+<file path=ppt/slides/slide5.xml><?xml version="1.0" encoding="utf-8"?>
+<p:sld xmlns:a="http://schemas.openxmlformats.org/drawingml/2006/main" xmlns:r="http://schemas.openxmlformats.org/officeDocument/2006/relationships" xmlns:p="http://schemas.openxmlformats.org/presentationml/2006/main">
+  <p:cSld>
+    <p:bg>
+      <p:bgPr>
+        <a:solidFill>
+          <a:schemeClr val="bg1"/>
+        </a:solidFill>
+        <a:effectLst/>
+      </p:bgPr>
+    </p:bg>
+    <p:spTree>
+      <p:nvGrpSpPr>
+        <p:cNvPr id="1" name=""/>
+        <p:cNvGrpSpPr/>
+        <p:nvPr/>
+      </p:nvGrpSpPr>
+      <p:grpSpPr>
+        <a:xfrm>
+          <a:off x="0" y="0"/>
+          <a:ext cx="0" cy="0"/>
+          <a:chOff x="0" y="0"/>
+          <a:chExt cx="0" cy="0"/>
+        </a:xfrm>
+      </p:grpSpPr>
       <p:sp useBgFill="1">
         <p:nvSpPr>
           <p:cNvPr id="9" name="Rectangle 8">
@@ -8836,7 +9837,7 @@
 </p:sld>
 </file>
 
-<file path=ppt/slides/slide5.xml><?xml version="1.0" encoding="utf-8"?>
+<file path=ppt/slides/slide6.xml><?xml version="1.0" encoding="utf-8"?>
 <p:sld xmlns:a="http://schemas.openxmlformats.org/drawingml/2006/main" xmlns:r="http://schemas.openxmlformats.org/officeDocument/2006/relationships" xmlns:p="http://schemas.openxmlformats.org/presentationml/2006/main">
   <p:cSld>
     <p:spTree>
